--- a/Я даже запустить не могу.pptx
+++ b/Я даже запустить не могу.pptx
@@ -3761,7 +3761,7 @@
           <a:p>
             <a:r>
               <a:rPr lang="ru-RU" dirty="0"/>
-              <a:t>НАШИ УЧЛОВИЯ!!!!</a:t>
+              <a:t>НАШИ УСЛОВИЯ!!!!</a:t>
             </a:r>
           </a:p>
         </p:txBody>
@@ -3789,7 +3789,15 @@
           <a:p>
             <a:r>
               <a:rPr lang="ru-RU" dirty="0"/>
-              <a:t>Наши велосипеды стоят всего 2.000тг, но с учетом скидки, надо будет заплатить 80.000р</a:t>
+              <a:t>Наши велосипеды стоят всего 2.000тг, но с учетом </a:t>
+            </a:r>
+            <a:r>
+              <a:rPr lang="ru-RU" dirty="0" err="1"/>
+              <a:t>коммисии</a:t>
+            </a:r>
+            <a:r>
+              <a:rPr lang="ru-RU" dirty="0"/>
+              <a:t>, надо будет заплатить 80.000р</a:t>
             </a:r>
           </a:p>
         </p:txBody>

--- a/Я даже запустить не могу.pptx
+++ b/Я даже запустить не могу.pptx
@@ -7,8 +7,12 @@
   <p:sldIdLst>
     <p:sldId id="256" r:id="rId2"/>
     <p:sldId id="258" r:id="rId3"/>
-    <p:sldId id="257" r:id="rId4"/>
-    <p:sldId id="259" r:id="rId5"/>
+    <p:sldId id="262" r:id="rId4"/>
+    <p:sldId id="257" r:id="rId5"/>
+    <p:sldId id="261" r:id="rId6"/>
+    <p:sldId id="259" r:id="rId7"/>
+    <p:sldId id="260" r:id="rId8"/>
+    <p:sldId id="263" r:id="rId9"/>
   </p:sldIdLst>
   <p:sldSz cx="12192000" cy="6858000"/>
   <p:notesSz cx="6858000" cy="9144000"/>
@@ -107,6 +111,11 @@
       </a:defRPr>
     </a:lvl9pPr>
   </p:defaultTextStyle>
+  <p:extLst>
+    <p:ext uri="{EFAFB233-063F-42B5-8137-9DF3F51BA10A}">
+      <p15:sldGuideLst xmlns:p15="http://schemas.microsoft.com/office/powerpoint/2012/main"/>
+    </p:ext>
+  </p:extLst>
 </p:presentation>
 </file>
 
@@ -3566,6 +3575,141 @@
 <file path=ppt/slides/slide3.xml><?xml version="1.0" encoding="utf-8"?>
 <p:sld xmlns:a="http://schemas.openxmlformats.org/drawingml/2006/main" xmlns:r="http://schemas.openxmlformats.org/officeDocument/2006/relationships" xmlns:p="http://schemas.openxmlformats.org/presentationml/2006/main">
   <p:cSld>
+    <p:spTree>
+      <p:nvGrpSpPr>
+        <p:cNvPr id="1" name=""/>
+        <p:cNvGrpSpPr/>
+        <p:nvPr/>
+      </p:nvGrpSpPr>
+      <p:grpSpPr>
+        <a:xfrm>
+          <a:off x="0" y="0"/>
+          <a:ext cx="0" cy="0"/>
+          <a:chOff x="0" y="0"/>
+          <a:chExt cx="0" cy="0"/>
+        </a:xfrm>
+      </p:grpSpPr>
+      <p:sp>
+        <p:nvSpPr>
+          <p:cNvPr id="2" name="Заголовок 1">
+            <a:extLst>
+              <a:ext uri="{FF2B5EF4-FFF2-40B4-BE49-F238E27FC236}">
+                <a16:creationId xmlns:a16="http://schemas.microsoft.com/office/drawing/2014/main" id="{F42FE137-3F53-C8D7-A7BC-8191E997C0E7}"/>
+              </a:ext>
+            </a:extLst>
+          </p:cNvPr>
+          <p:cNvSpPr>
+            <a:spLocks noGrp="1"/>
+          </p:cNvSpPr>
+          <p:nvPr>
+            <p:ph type="ctrTitle"/>
+          </p:nvPr>
+        </p:nvSpPr>
+        <p:spPr>
+          <a:xfrm>
+            <a:off x="1666494" y="-986853"/>
+            <a:ext cx="9144000" cy="2387600"/>
+          </a:xfrm>
+        </p:spPr>
+        <p:txBody>
+          <a:bodyPr/>
+          <a:lstStyle/>
+          <a:p>
+            <a:r>
+              <a:rPr lang="ru-RU" dirty="0"/>
+              <a:t>НАША ИДЕЯ</a:t>
+            </a:r>
+          </a:p>
+        </p:txBody>
+      </p:sp>
+      <p:pic>
+        <p:nvPicPr>
+          <p:cNvPr id="9" name="Рисунок 8" descr="Изображение выглядит как снимок экрана, текст, искусство&#10;&#10;Контент, сгенерированный ИИ, может содержать ошибки.">
+            <a:extLst>
+              <a:ext uri="{FF2B5EF4-FFF2-40B4-BE49-F238E27FC236}">
+                <a16:creationId xmlns:a16="http://schemas.microsoft.com/office/drawing/2014/main" id="{A91FD0F6-C939-9AE9-6131-A4EB35B331EA}"/>
+              </a:ext>
+            </a:extLst>
+          </p:cNvPr>
+          <p:cNvPicPr>
+            <a:picLocks noChangeAspect="1"/>
+          </p:cNvPicPr>
+          <p:nvPr/>
+        </p:nvPicPr>
+        <p:blipFill>
+          <a:blip r:embed="rId2">
+            <a:extLst>
+              <a:ext uri="{28A0092B-C50C-407E-A947-70E740481C1C}">
+                <a14:useLocalDpi xmlns:a14="http://schemas.microsoft.com/office/drawing/2010/main" val="0"/>
+              </a:ext>
+            </a:extLst>
+          </a:blip>
+          <a:stretch>
+            <a:fillRect/>
+          </a:stretch>
+        </p:blipFill>
+        <p:spPr>
+          <a:xfrm>
+            <a:off x="4589875" y="2193989"/>
+            <a:ext cx="3297238" cy="3297238"/>
+          </a:xfrm>
+          <a:prstGeom prst="rect">
+            <a:avLst/>
+          </a:prstGeom>
+        </p:spPr>
+      </p:pic>
+      <p:sp>
+        <p:nvSpPr>
+          <p:cNvPr id="10" name="TextBox 9">
+            <a:extLst>
+              <a:ext uri="{FF2B5EF4-FFF2-40B4-BE49-F238E27FC236}">
+                <a16:creationId xmlns:a16="http://schemas.microsoft.com/office/drawing/2014/main" id="{C1789C7C-F6E9-9C8A-2E39-9CCA17642633}"/>
+              </a:ext>
+            </a:extLst>
+          </p:cNvPr>
+          <p:cNvSpPr txBox="1"/>
+          <p:nvPr/>
+        </p:nvSpPr>
+        <p:spPr>
+          <a:xfrm>
+            <a:off x="4953762" y="5568696"/>
+            <a:ext cx="2569464" cy="369332"/>
+          </a:xfrm>
+          <a:prstGeom prst="rect">
+            <a:avLst/>
+          </a:prstGeom>
+          <a:noFill/>
+        </p:spPr>
+        <p:txBody>
+          <a:bodyPr wrap="square" rtlCol="0">
+            <a:spAutoFit/>
+          </a:bodyPr>
+          <a:lstStyle/>
+          <a:p>
+            <a:r>
+              <a:rPr lang="en-US" dirty="0"/>
+              <a:t>https://datanar.ru/sX8Gj</a:t>
+            </a:r>
+            <a:endParaRPr lang="ru-RU" dirty="0"/>
+          </a:p>
+        </p:txBody>
+      </p:sp>
+    </p:spTree>
+    <p:extLst>
+      <p:ext uri="{BB962C8B-B14F-4D97-AF65-F5344CB8AC3E}">
+        <p14:creationId xmlns:p14="http://schemas.microsoft.com/office/powerpoint/2010/main" val="2018098682"/>
+      </p:ext>
+    </p:extLst>
+  </p:cSld>
+  <p:clrMapOvr>
+    <a:masterClrMapping/>
+  </p:clrMapOvr>
+</p:sld>
+</file>
+
+<file path=ppt/slides/slide4.xml><?xml version="1.0" encoding="utf-8"?>
+<p:sld xmlns:a="http://schemas.openxmlformats.org/drawingml/2006/main" xmlns:r="http://schemas.openxmlformats.org/officeDocument/2006/relationships" xmlns:p="http://schemas.openxmlformats.org/presentationml/2006/main">
+  <p:cSld>
     <p:bg>
       <p:bgPr>
         <a:solidFill>
@@ -3606,33 +3750,244 @@
         </p:nvSpPr>
         <p:spPr>
           <a:xfrm>
-            <a:off x="8153400" y="1128094"/>
-            <a:ext cx="3434180" cy="1415270"/>
+            <a:off x="8096251" y="714621"/>
+            <a:ext cx="3445167" cy="3901454"/>
           </a:xfrm>
         </p:spPr>
         <p:txBody>
-          <a:bodyPr anchor="t">
+          <a:bodyPr vert="horz" lIns="91440" tIns="45720" rIns="91440" bIns="45720" rtlCol="0" anchor="t">
             <a:normAutofit/>
           </a:bodyPr>
           <a:lstStyle/>
           <a:p>
             <a:r>
-              <a:rPr lang="ru-RU" sz="2700" dirty="0" err="1"/>
+              <a:rPr lang="en-US" sz="3200" kern="1200" dirty="0" err="1">
+                <a:solidFill>
+                  <a:schemeClr val="tx1"/>
+                </a:solidFill>
+                <a:latin typeface="+mj-lt"/>
+                <a:ea typeface="+mj-ea"/>
+                <a:cs typeface="+mj-cs"/>
+              </a:rPr>
               <a:t>Сайттт</a:t>
             </a:r>
             <a:r>
-              <a:rPr lang="ru-RU" sz="2700" dirty="0"/>
-              <a:t> магазина велосипедов ( естественно наших )</a:t>
-            </a:r>
+              <a:rPr lang="en-US" sz="3200" kern="1200" dirty="0">
+                <a:solidFill>
+                  <a:schemeClr val="tx1"/>
+                </a:solidFill>
+                <a:latin typeface="+mj-lt"/>
+                <a:ea typeface="+mj-ea"/>
+                <a:cs typeface="+mj-cs"/>
+              </a:rPr>
+              <a:t> </a:t>
+            </a:r>
+            <a:r>
+              <a:rPr lang="en-US" sz="3200" kern="1200" dirty="0" err="1">
+                <a:solidFill>
+                  <a:schemeClr val="tx1"/>
+                </a:solidFill>
+                <a:latin typeface="+mj-lt"/>
+                <a:ea typeface="+mj-ea"/>
+                <a:cs typeface="+mj-cs"/>
+              </a:rPr>
+              <a:t>магазина</a:t>
+            </a:r>
+            <a:r>
+              <a:rPr lang="en-US" sz="3200" kern="1200" dirty="0">
+                <a:solidFill>
+                  <a:schemeClr val="tx1"/>
+                </a:solidFill>
+                <a:latin typeface="+mj-lt"/>
+                <a:ea typeface="+mj-ea"/>
+                <a:cs typeface="+mj-cs"/>
+              </a:rPr>
+              <a:t> </a:t>
+            </a:r>
+            <a:r>
+              <a:rPr lang="en-US" sz="3200" kern="1200" dirty="0" err="1">
+                <a:solidFill>
+                  <a:schemeClr val="tx1"/>
+                </a:solidFill>
+                <a:latin typeface="+mj-lt"/>
+                <a:ea typeface="+mj-ea"/>
+                <a:cs typeface="+mj-cs"/>
+              </a:rPr>
+              <a:t>велосипедов</a:t>
+            </a:r>
+            <a:r>
+              <a:rPr lang="en-US" sz="3200" kern="1200" dirty="0">
+                <a:solidFill>
+                  <a:schemeClr val="tx1"/>
+                </a:solidFill>
+                <a:latin typeface="+mj-lt"/>
+                <a:ea typeface="+mj-ea"/>
+                <a:cs typeface="+mj-cs"/>
+              </a:rPr>
+              <a:t> </a:t>
+            </a:r>
+            <a:r>
+              <a:rPr lang="ru-RU" sz="3200" kern="1200" dirty="0">
+                <a:solidFill>
+                  <a:schemeClr val="tx1"/>
+                </a:solidFill>
+                <a:latin typeface="+mj-lt"/>
+                <a:ea typeface="+mj-ea"/>
+                <a:cs typeface="+mj-cs"/>
+              </a:rPr>
+              <a:t>и костылей</a:t>
+            </a:r>
+            <a:r>
+              <a:rPr lang="en-US" sz="3200" kern="1200" dirty="0">
+                <a:solidFill>
+                  <a:schemeClr val="tx1"/>
+                </a:solidFill>
+                <a:latin typeface="+mj-lt"/>
+                <a:ea typeface="+mj-ea"/>
+                <a:cs typeface="+mj-cs"/>
+              </a:rPr>
+              <a:t> </a:t>
+            </a:r>
+            <a:br>
+              <a:rPr lang="ru-RU" sz="3200" kern="1200" dirty="0">
+                <a:solidFill>
+                  <a:schemeClr val="tx1"/>
+                </a:solidFill>
+                <a:latin typeface="+mj-lt"/>
+                <a:ea typeface="+mj-ea"/>
+                <a:cs typeface="+mj-cs"/>
+              </a:rPr>
+            </a:br>
+            <a:r>
+              <a:rPr lang="en-US" sz="3200" kern="1200" dirty="0">
+                <a:solidFill>
+                  <a:schemeClr val="tx1"/>
+                </a:solidFill>
+                <a:latin typeface="+mj-lt"/>
+                <a:ea typeface="+mj-ea"/>
+                <a:cs typeface="+mj-cs"/>
+              </a:rPr>
+              <a:t>( </a:t>
+            </a:r>
+            <a:r>
+              <a:rPr lang="en-US" sz="3200" kern="1200" dirty="0" err="1">
+                <a:solidFill>
+                  <a:schemeClr val="tx1"/>
+                </a:solidFill>
+                <a:latin typeface="+mj-lt"/>
+                <a:ea typeface="+mj-ea"/>
+                <a:cs typeface="+mj-cs"/>
+              </a:rPr>
+              <a:t>естественно</a:t>
+            </a:r>
+            <a:r>
+              <a:rPr lang="en-US" sz="3200" kern="1200" dirty="0">
+                <a:solidFill>
+                  <a:schemeClr val="tx1"/>
+                </a:solidFill>
+                <a:latin typeface="+mj-lt"/>
+                <a:ea typeface="+mj-ea"/>
+                <a:cs typeface="+mj-cs"/>
+              </a:rPr>
+              <a:t> </a:t>
+            </a:r>
+            <a:r>
+              <a:rPr lang="en-US" sz="3200" kern="1200" dirty="0" err="1">
+                <a:solidFill>
+                  <a:schemeClr val="tx1"/>
+                </a:solidFill>
+                <a:latin typeface="+mj-lt"/>
+                <a:ea typeface="+mj-ea"/>
+                <a:cs typeface="+mj-cs"/>
+              </a:rPr>
+              <a:t>наших</a:t>
+            </a:r>
+            <a:r>
+              <a:rPr lang="en-US" sz="3200" kern="1200" dirty="0">
+                <a:solidFill>
+                  <a:schemeClr val="tx1"/>
+                </a:solidFill>
+                <a:latin typeface="+mj-lt"/>
+                <a:ea typeface="+mj-ea"/>
+                <a:cs typeface="+mj-cs"/>
+              </a:rPr>
+              <a:t> )</a:t>
+            </a:r>
+          </a:p>
+        </p:txBody>
+      </p:sp>
+      <p:sp>
+        <p:nvSpPr>
+          <p:cNvPr id="17" name="Rectangle 16">
+            <a:extLst>
+              <a:ext uri="{FF2B5EF4-FFF2-40B4-BE49-F238E27FC236}">
+                <a16:creationId xmlns:a16="http://schemas.microsoft.com/office/drawing/2014/main" id="{B24D2B1C-5143-6DB1-BC02-6C495211EAC7}"/>
+              </a:ext>
+              <a:ext uri="{C183D7F6-B498-43B3-948B-1728B52AA6E4}">
+                <adec:decorative xmlns:adec="http://schemas.microsoft.com/office/drawing/2017/decorative" val="1"/>
+              </a:ext>
+            </a:extLst>
+          </p:cNvPr>
+          <p:cNvSpPr>
+            <a:spLocks noGrp="1" noRot="1" noChangeAspect="1" noMove="1" noResize="1" noEditPoints="1" noAdjustHandles="1" noChangeArrowheads="1" noChangeShapeType="1" noTextEdit="1"/>
+          </p:cNvSpPr>
+          <p:nvPr>
+            <p:extLst>
+              <p:ext uri="{386F3935-93C4-4BCD-93E2-E3B085C9AB24}">
+                <p16:designElem xmlns:p16="http://schemas.microsoft.com/office/powerpoint/2015/main" val="1"/>
+              </p:ext>
+            </p:extLst>
+          </p:nvPr>
+        </p:nvSpPr>
+        <p:spPr>
+          <a:xfrm>
+            <a:off x="19050" y="0"/>
+            <a:ext cx="7472781" cy="6858000"/>
+          </a:xfrm>
+          <a:prstGeom prst="rect">
+            <a:avLst/>
+          </a:prstGeom>
+          <a:solidFill>
+            <a:schemeClr val="bg1">
+              <a:lumMod val="95000"/>
+              <a:alpha val="65000"/>
+            </a:schemeClr>
+          </a:solidFill>
+          <a:ln>
+            <a:noFill/>
+          </a:ln>
+        </p:spPr>
+        <p:style>
+          <a:lnRef idx="2">
+            <a:schemeClr val="accent1">
+              <a:shade val="50000"/>
+            </a:schemeClr>
+          </a:lnRef>
+          <a:fillRef idx="1">
+            <a:schemeClr val="accent1"/>
+          </a:fillRef>
+          <a:effectRef idx="0">
+            <a:schemeClr val="accent1"/>
+          </a:effectRef>
+          <a:fontRef idx="minor">
+            <a:schemeClr val="lt1"/>
+          </a:fontRef>
+        </p:style>
+        <p:txBody>
+          <a:bodyPr rtlCol="0" anchor="ctr"/>
+          <a:lstStyle/>
+          <a:p>
+            <a:pPr algn="ctr"/>
+            <a:endParaRPr lang="en-US"/>
           </a:p>
         </p:txBody>
       </p:sp>
       <p:pic>
         <p:nvPicPr>
-          <p:cNvPr id="5" name="Объект 4" descr="Изображение выглядит как велосипед, снимок экрана, колесо&#10;&#10;Контент, сгенерированный ИИ, может содержать ошибки.">
-            <a:extLst>
-              <a:ext uri="{FF2B5EF4-FFF2-40B4-BE49-F238E27FC236}">
-                <a16:creationId xmlns:a16="http://schemas.microsoft.com/office/drawing/2014/main" id="{17AEA8A5-135F-631F-C5BC-92D5F56F1899}"/>
+          <p:cNvPr id="4" name="Рисунок 3" descr="Изображение выглядит как колесо, Велосипедное колесо, велосипед&#10;&#10;Контент, сгенерированный ИИ, может содержать ошибки.">
+            <a:extLst>
+              <a:ext uri="{FF2B5EF4-FFF2-40B4-BE49-F238E27FC236}">
+                <a16:creationId xmlns:a16="http://schemas.microsoft.com/office/drawing/2014/main" id="{7A3BDE46-31BF-92F2-7663-AB63607F521C}"/>
               </a:ext>
             </a:extLst>
           </p:cNvPr>
@@ -3643,13 +3998,14 @@
         </p:nvPicPr>
         <p:blipFill>
           <a:blip r:embed="rId2"/>
-          <a:srcRect l="24326" r="21292"/>
-          <a:stretch/>
+          <a:stretch>
+            <a:fillRect/>
+          </a:stretch>
         </p:blipFill>
         <p:spPr>
           <a:xfrm>
-            <a:off x="-9886" y="10"/>
-            <a:ext cx="7572605" cy="6857990"/>
+            <a:off x="722244" y="699985"/>
+            <a:ext cx="6092726" cy="5468220"/>
           </a:xfrm>
           <a:prstGeom prst="rect">
             <a:avLst/>
@@ -3658,10 +4014,10 @@
       </p:pic>
       <p:cxnSp>
         <p:nvCxnSpPr>
-          <p:cNvPr id="12" name="Straight Connector 11">
-            <a:extLst>
-              <a:ext uri="{FF2B5EF4-FFF2-40B4-BE49-F238E27FC236}">
-                <a16:creationId xmlns:a16="http://schemas.microsoft.com/office/drawing/2014/main" id="{249EDD1B-F94D-B4E6-ACAA-566B9A26FDE3}"/>
+          <p:cNvPr id="19" name="Straight Connector 18">
+            <a:extLst>
+              <a:ext uri="{FF2B5EF4-FFF2-40B4-BE49-F238E27FC236}">
+                <a16:creationId xmlns:a16="http://schemas.microsoft.com/office/drawing/2014/main" id="{33193FD5-6A49-7562-EA76-F15D42E15804}"/>
               </a:ext>
               <a:ext uri="{C183D7F6-B498-43B3-948B-1728B52AA6E4}">
                 <adec:decorative xmlns:adec="http://schemas.microsoft.com/office/drawing/2017/decorative" val="1"/>
@@ -3681,7 +4037,7 @@
         </p:nvCxnSpPr>
         <p:spPr>
           <a:xfrm>
-            <a:off x="8199390" y="871146"/>
+            <a:off x="8199390" y="5181888"/>
             <a:ext cx="736939" cy="0"/>
           </a:xfrm>
           <a:prstGeom prst="line">
@@ -3721,7 +4077,7 @@
 </p:sld>
 </file>
 
-<file path=ppt/slides/slide4.xml><?xml version="1.0" encoding="utf-8"?>
+<file path=ppt/slides/slide5.xml><?xml version="1.0" encoding="utf-8"?>
 <p:sld xmlns:a="http://schemas.openxmlformats.org/drawingml/2006/main" xmlns:r="http://schemas.openxmlformats.org/officeDocument/2006/relationships" xmlns:p="http://schemas.openxmlformats.org/presentationml/2006/main">
   <p:cSld>
     <p:spTree>
@@ -3743,6 +4099,239 @@
           <p:cNvPr id="2" name="Заголовок 1">
             <a:extLst>
               <a:ext uri="{FF2B5EF4-FFF2-40B4-BE49-F238E27FC236}">
+                <a16:creationId xmlns:a16="http://schemas.microsoft.com/office/drawing/2014/main" id="{7AB4AE40-B768-EE5A-63BE-54AD985B0B9C}"/>
+              </a:ext>
+            </a:extLst>
+          </p:cNvPr>
+          <p:cNvSpPr>
+            <a:spLocks noGrp="1"/>
+          </p:cNvSpPr>
+          <p:nvPr>
+            <p:ph type="title"/>
+          </p:nvPr>
+        </p:nvSpPr>
+        <p:spPr/>
+        <p:txBody>
+          <a:bodyPr/>
+          <a:lstStyle/>
+          <a:p>
+            <a:pPr algn="ctr"/>
+            <a:r>
+              <a:rPr lang="ru-RU" dirty="0" err="1"/>
+              <a:t>Почму</a:t>
+            </a:r>
+            <a:r>
+              <a:rPr lang="ru-RU" dirty="0"/>
+              <a:t> мы</a:t>
+            </a:r>
+            <a:r>
+              <a:rPr lang="en-US" dirty="0"/>
+              <a:t>???</a:t>
+            </a:r>
+            <a:endParaRPr lang="ru-RU" dirty="0"/>
+          </a:p>
+        </p:txBody>
+      </p:sp>
+      <p:sp>
+        <p:nvSpPr>
+          <p:cNvPr id="3" name="Объект 2">
+            <a:extLst>
+              <a:ext uri="{FF2B5EF4-FFF2-40B4-BE49-F238E27FC236}">
+                <a16:creationId xmlns:a16="http://schemas.microsoft.com/office/drawing/2014/main" id="{269452E5-7D65-AD26-A6DF-2779DC68330C}"/>
+              </a:ext>
+            </a:extLst>
+          </p:cNvPr>
+          <p:cNvSpPr>
+            <a:spLocks noGrp="1"/>
+          </p:cNvSpPr>
+          <p:nvPr>
+            <p:ph idx="1"/>
+          </p:nvPr>
+        </p:nvSpPr>
+        <p:spPr/>
+        <p:txBody>
+          <a:bodyPr/>
+          <a:lstStyle/>
+          <a:p>
+            <a:r>
+              <a:rPr lang="ru-RU" dirty="0" err="1"/>
+              <a:t>Дизай</a:t>
+            </a:r>
+            <a:endParaRPr lang="ru-RU" dirty="0"/>
+          </a:p>
+          <a:p>
+            <a:r>
+              <a:rPr lang="ru-RU" dirty="0"/>
+              <a:t>Функционал </a:t>
+            </a:r>
+          </a:p>
+          <a:p>
+            <a:r>
+              <a:rPr lang="en-US" dirty="0"/>
+              <a:t>Qwe</a:t>
+            </a:r>
+          </a:p>
+          <a:p>
+            <a:r>
+              <a:rPr lang="ru-RU" dirty="0"/>
+              <a:t>Еще раз дизайн</a:t>
+            </a:r>
+          </a:p>
+          <a:p>
+            <a:r>
+              <a:rPr lang="ru-RU" dirty="0"/>
+              <a:t>Условия</a:t>
+            </a:r>
+          </a:p>
+          <a:p>
+            <a:r>
+              <a:rPr lang="ru-RU" dirty="0"/>
+              <a:t>Открытость</a:t>
+            </a:r>
+          </a:p>
+          <a:p>
+            <a:r>
+              <a:rPr lang="ru-RU" dirty="0"/>
+              <a:t>Есть чат</a:t>
+            </a:r>
+          </a:p>
+          <a:p>
+            <a:r>
+              <a:rPr lang="ru-RU" b="1" dirty="0"/>
+              <a:t>Хорошее отношение к клиентам</a:t>
+            </a:r>
+          </a:p>
+        </p:txBody>
+      </p:sp>
+      <p:pic>
+        <p:nvPicPr>
+          <p:cNvPr id="5" name="Рисунок 4">
+            <a:extLst>
+              <a:ext uri="{FF2B5EF4-FFF2-40B4-BE49-F238E27FC236}">
+                <a16:creationId xmlns:a16="http://schemas.microsoft.com/office/drawing/2014/main" id="{B191BFB9-2279-7A21-E457-2E554A9AD78E}"/>
+              </a:ext>
+            </a:extLst>
+          </p:cNvPr>
+          <p:cNvPicPr>
+            <a:picLocks noChangeAspect="1"/>
+          </p:cNvPicPr>
+          <p:nvPr/>
+        </p:nvPicPr>
+        <p:blipFill>
+          <a:blip r:embed="rId2">
+            <a:alphaModFix amt="50000"/>
+          </a:blip>
+          <a:stretch>
+            <a:fillRect/>
+          </a:stretch>
+        </p:blipFill>
+        <p:spPr>
+          <a:xfrm>
+            <a:off x="6741767" y="2920527"/>
+            <a:ext cx="3134162" cy="3391373"/>
+          </a:xfrm>
+          <a:prstGeom prst="rect">
+            <a:avLst/>
+          </a:prstGeom>
+        </p:spPr>
+      </p:pic>
+    </p:spTree>
+    <p:extLst>
+      <p:ext uri="{BB962C8B-B14F-4D97-AF65-F5344CB8AC3E}">
+        <p14:creationId xmlns:p14="http://schemas.microsoft.com/office/powerpoint/2010/main" val="1235101801"/>
+      </p:ext>
+    </p:extLst>
+  </p:cSld>
+  <p:clrMapOvr>
+    <a:masterClrMapping/>
+  </p:clrMapOvr>
+</p:sld>
+</file>
+
+<file path=ppt/slides/slide6.xml><?xml version="1.0" encoding="utf-8"?>
+<p:sld xmlns:a="http://schemas.openxmlformats.org/drawingml/2006/main" xmlns:r="http://schemas.openxmlformats.org/officeDocument/2006/relationships" xmlns:p="http://schemas.openxmlformats.org/presentationml/2006/main">
+  <p:cSld>
+    <p:spTree>
+      <p:nvGrpSpPr>
+        <p:cNvPr id="1" name=""/>
+        <p:cNvGrpSpPr/>
+        <p:nvPr/>
+      </p:nvGrpSpPr>
+      <p:grpSpPr>
+        <a:xfrm>
+          <a:off x="0" y="0"/>
+          <a:ext cx="0" cy="0"/>
+          <a:chOff x="0" y="0"/>
+          <a:chExt cx="0" cy="0"/>
+        </a:xfrm>
+      </p:grpSpPr>
+      <p:pic>
+        <p:nvPicPr>
+          <p:cNvPr id="5" name="Рисунок 4">
+            <a:extLst>
+              <a:ext uri="{FF2B5EF4-FFF2-40B4-BE49-F238E27FC236}">
+                <a16:creationId xmlns:a16="http://schemas.microsoft.com/office/drawing/2014/main" id="{1E392114-764A-6B20-41F5-783EFEBBB1D4}"/>
+              </a:ext>
+            </a:extLst>
+          </p:cNvPr>
+          <p:cNvPicPr>
+            <a:picLocks noChangeAspect="1"/>
+          </p:cNvPicPr>
+          <p:nvPr/>
+        </p:nvPicPr>
+        <p:blipFill>
+          <a:blip r:embed="rId2">
+            <a:alphaModFix amt="85000"/>
+          </a:blip>
+          <a:stretch>
+            <a:fillRect/>
+          </a:stretch>
+        </p:blipFill>
+        <p:spPr>
+          <a:xfrm>
+            <a:off x="0" y="0"/>
+            <a:ext cx="12192000" cy="6858000"/>
+          </a:xfrm>
+          <a:prstGeom prst="rect">
+            <a:avLst/>
+          </a:prstGeom>
+        </p:spPr>
+      </p:pic>
+      <p:pic>
+        <p:nvPicPr>
+          <p:cNvPr id="7" name="Рисунок 6">
+            <a:extLst>
+              <a:ext uri="{FF2B5EF4-FFF2-40B4-BE49-F238E27FC236}">
+                <a16:creationId xmlns:a16="http://schemas.microsoft.com/office/drawing/2014/main" id="{D1EFE8DB-73C7-0A56-30AF-E09A9E6B318B}"/>
+              </a:ext>
+            </a:extLst>
+          </p:cNvPr>
+          <p:cNvPicPr>
+            <a:picLocks noChangeAspect="1"/>
+          </p:cNvPicPr>
+          <p:nvPr/>
+        </p:nvPicPr>
+        <p:blipFill>
+          <a:blip r:embed="rId3"/>
+          <a:stretch>
+            <a:fillRect/>
+          </a:stretch>
+        </p:blipFill>
+        <p:spPr>
+          <a:xfrm>
+            <a:off x="932688" y="3429001"/>
+            <a:ext cx="6784848" cy="1005840"/>
+          </a:xfrm>
+          <a:prstGeom prst="rect">
+            <a:avLst/>
+          </a:prstGeom>
+        </p:spPr>
+      </p:pic>
+      <p:sp>
+        <p:nvSpPr>
+          <p:cNvPr id="2" name="Заголовок 1">
+            <a:extLst>
+              <a:ext uri="{FF2B5EF4-FFF2-40B4-BE49-F238E27FC236}">
                 <a16:creationId xmlns:a16="http://schemas.microsoft.com/office/drawing/2014/main" id="{700E1BF4-9016-D585-93C6-21D94F61BA52}"/>
               </a:ext>
             </a:extLst>
@@ -3754,13 +4343,24 @@
             <p:ph type="ctrTitle"/>
           </p:nvPr>
         </p:nvSpPr>
-        <p:spPr/>
-        <p:txBody>
-          <a:bodyPr/>
-          <a:lstStyle/>
-          <a:p>
-            <a:r>
-              <a:rPr lang="ru-RU" dirty="0"/>
+        <p:spPr>
+          <a:xfrm>
+            <a:off x="5074920" y="1122363"/>
+            <a:ext cx="5593080" cy="962469"/>
+          </a:xfrm>
+        </p:spPr>
+        <p:txBody>
+          <a:bodyPr>
+            <a:normAutofit fontScale="90000"/>
+          </a:bodyPr>
+          <a:lstStyle/>
+          <a:p>
+            <a:r>
+              <a:rPr lang="ru-RU" dirty="0">
+                <a:solidFill>
+                  <a:schemeClr val="bg1"/>
+                </a:solidFill>
+              </a:rPr>
               <a:t>НАШИ УСЛОВИЯ!!!!</a:t>
             </a:r>
           </a:p>
@@ -3782,22 +4382,86 @@
             <p:ph type="subTitle" idx="1"/>
           </p:nvPr>
         </p:nvSpPr>
-        <p:spPr/>
-        <p:txBody>
-          <a:bodyPr/>
-          <a:lstStyle/>
-          <a:p>
-            <a:r>
-              <a:rPr lang="ru-RU" dirty="0"/>
+        <p:spPr>
+          <a:xfrm>
+            <a:off x="4306824" y="2285302"/>
+            <a:ext cx="8118348" cy="1655762"/>
+          </a:xfrm>
+        </p:spPr>
+        <p:txBody>
+          <a:bodyPr/>
+          <a:lstStyle/>
+          <a:p>
+            <a:r>
+              <a:rPr lang="ru-RU" dirty="0">
+                <a:solidFill>
+                  <a:schemeClr val="bg1"/>
+                </a:solidFill>
+              </a:rPr>
               <a:t>Наши велосипеды стоят всего 2.000тг, но с учетом </a:t>
             </a:r>
             <a:r>
-              <a:rPr lang="ru-RU" dirty="0" err="1"/>
+              <a:rPr lang="ru-RU" dirty="0" err="1">
+                <a:solidFill>
+                  <a:schemeClr val="bg1"/>
+                </a:solidFill>
+              </a:rPr>
               <a:t>коммисии</a:t>
             </a:r>
             <a:r>
-              <a:rPr lang="ru-RU" dirty="0"/>
+              <a:rPr lang="ru-RU" dirty="0">
+                <a:solidFill>
+                  <a:schemeClr val="bg1"/>
+                </a:solidFill>
+              </a:rPr>
               <a:t>, надо будет заплатить 80.000р</a:t>
+            </a:r>
+            <a:br>
+              <a:rPr lang="ru-RU" dirty="0">
+                <a:solidFill>
+                  <a:schemeClr val="bg1"/>
+                </a:solidFill>
+              </a:rPr>
+            </a:br>
+            <a:r>
+              <a:rPr lang="ru-RU" dirty="0">
+                <a:solidFill>
+                  <a:schemeClr val="bg1"/>
+                </a:solidFill>
+              </a:rPr>
+              <a:t>Костыли чуть побольше, они жестко жмут же, 5000тг</a:t>
+            </a:r>
+            <a:r>
+              <a:rPr lang="en-US" dirty="0">
+                <a:solidFill>
+                  <a:schemeClr val="bg1"/>
+                </a:solidFill>
+              </a:rPr>
+              <a:t>, </a:t>
+            </a:r>
+            <a:r>
+              <a:rPr lang="ru-RU" dirty="0">
+                <a:solidFill>
+                  <a:schemeClr val="bg1"/>
+                </a:solidFill>
+              </a:rPr>
+              <a:t>с </a:t>
+            </a:r>
+            <a:r>
+              <a:rPr lang="ru-RU" dirty="0" err="1">
+                <a:solidFill>
+                  <a:schemeClr val="bg1"/>
+                </a:solidFill>
+              </a:rPr>
+              <a:t>коммисией</a:t>
+            </a:r>
+            <a:r>
+              <a:rPr lang="ru-RU" dirty="0">
+                <a:solidFill>
+                  <a:schemeClr val="bg1"/>
+                </a:solidFill>
+              </a:rPr>
+              <a:t> 850.000р</a:t>
             </a:r>
           </a:p>
         </p:txBody>
@@ -3806,6 +4470,226 @@
     <p:extLst>
       <p:ext uri="{BB962C8B-B14F-4D97-AF65-F5344CB8AC3E}">
         <p14:creationId xmlns:p14="http://schemas.microsoft.com/office/powerpoint/2010/main" val="1029188205"/>
+      </p:ext>
+    </p:extLst>
+  </p:cSld>
+  <p:clrMapOvr>
+    <a:masterClrMapping/>
+  </p:clrMapOvr>
+</p:sld>
+</file>
+
+<file path=ppt/slides/slide7.xml><?xml version="1.0" encoding="utf-8"?>
+<p:sld xmlns:a="http://schemas.openxmlformats.org/drawingml/2006/main" xmlns:r="http://schemas.openxmlformats.org/officeDocument/2006/relationships" xmlns:p="http://schemas.openxmlformats.org/presentationml/2006/main">
+  <p:cSld>
+    <p:spTree>
+      <p:nvGrpSpPr>
+        <p:cNvPr id="1" name=""/>
+        <p:cNvGrpSpPr/>
+        <p:nvPr/>
+      </p:nvGrpSpPr>
+      <p:grpSpPr>
+        <a:xfrm>
+          <a:off x="0" y="0"/>
+          <a:ext cx="0" cy="0"/>
+          <a:chOff x="0" y="0"/>
+          <a:chExt cx="0" cy="0"/>
+        </a:xfrm>
+      </p:grpSpPr>
+      <p:sp>
+        <p:nvSpPr>
+          <p:cNvPr id="2" name="Заголовок 1">
+            <a:extLst>
+              <a:ext uri="{FF2B5EF4-FFF2-40B4-BE49-F238E27FC236}">
+                <a16:creationId xmlns:a16="http://schemas.microsoft.com/office/drawing/2014/main" id="{66262C59-4E53-DF49-89EA-E07F3B88A74D}"/>
+              </a:ext>
+            </a:extLst>
+          </p:cNvPr>
+          <p:cNvSpPr>
+            <a:spLocks noGrp="1"/>
+          </p:cNvSpPr>
+          <p:nvPr>
+            <p:ph type="ctrTitle"/>
+          </p:nvPr>
+        </p:nvSpPr>
+        <p:spPr/>
+        <p:txBody>
+          <a:bodyPr/>
+          <a:lstStyle/>
+          <a:p>
+            <a:r>
+              <a:rPr lang="ru-RU" dirty="0"/>
+              <a:t>ЗАЧЕМ КОСТЫЛИ</a:t>
+            </a:r>
+            <a:r>
+              <a:rPr lang="en-US" dirty="0"/>
+              <a:t>???</a:t>
+            </a:r>
+            <a:endParaRPr lang="ru-RU" dirty="0"/>
+          </a:p>
+        </p:txBody>
+      </p:sp>
+      <p:sp>
+        <p:nvSpPr>
+          <p:cNvPr id="3" name="Подзаголовок 2">
+            <a:extLst>
+              <a:ext uri="{FF2B5EF4-FFF2-40B4-BE49-F238E27FC236}">
+                <a16:creationId xmlns:a16="http://schemas.microsoft.com/office/drawing/2014/main" id="{61D3C8CC-8060-BBC0-9B62-F8040349695E}"/>
+              </a:ext>
+            </a:extLst>
+          </p:cNvPr>
+          <p:cNvSpPr>
+            <a:spLocks noGrp="1"/>
+          </p:cNvSpPr>
+          <p:nvPr>
+            <p:ph type="subTitle" idx="1"/>
+          </p:nvPr>
+        </p:nvSpPr>
+        <p:spPr/>
+        <p:txBody>
+          <a:bodyPr>
+            <a:normAutofit/>
+          </a:bodyPr>
+          <a:lstStyle/>
+          <a:p>
+            <a:pPr rtl="0">
+              <a:buNone/>
+            </a:pPr>
+            <a:r>
+              <a:rPr lang="ru-RU" b="0" i="0" dirty="0">
+                <a:solidFill>
+                  <a:schemeClr val="tx1">
+                    <a:lumMod val="95000"/>
+                    <a:lumOff val="5000"/>
+                  </a:schemeClr>
+                </a:solidFill>
+                <a:effectLst/>
+                <a:latin typeface="Roboto" panose="02000000000000000000" pitchFamily="2" charset="0"/>
+              </a:rPr>
+              <a:t>Ответ простой, бывает, катание на велосипедах опасно и в страшных ситуациях могут понадобиться костыли, верно ведь?</a:t>
+            </a:r>
+            <a:endParaRPr lang="ru-RU" sz="1600" dirty="0">
+              <a:solidFill>
+                <a:srgbClr val="FFFFFF"/>
+              </a:solidFill>
+              <a:highlight>
+                <a:srgbClr val="000000"/>
+              </a:highlight>
+              <a:latin typeface="Roboto" panose="02000000000000000000" pitchFamily="2" charset="0"/>
+            </a:endParaRPr>
+          </a:p>
+          <a:p>
+            <a:pPr rtl="0">
+              <a:buNone/>
+            </a:pPr>
+            <a:r>
+              <a:rPr lang="ru-RU" sz="800" b="0" i="0" dirty="0">
+                <a:effectLst/>
+                <a:highlight>
+                  <a:srgbClr val="C0C0C0"/>
+                </a:highlight>
+                <a:latin typeface="Roboto" panose="02000000000000000000" pitchFamily="2" charset="0"/>
+              </a:rPr>
+              <a:t>Ну а также </a:t>
+            </a:r>
+            <a:r>
+              <a:rPr lang="ru-RU" sz="800" b="0" i="0" dirty="0" err="1">
+                <a:effectLst/>
+                <a:highlight>
+                  <a:srgbClr val="C0C0C0"/>
+                </a:highlight>
+                <a:latin typeface="Roboto" panose="02000000000000000000" pitchFamily="2" charset="0"/>
+              </a:rPr>
+              <a:t>вставлть</a:t>
+            </a:r>
+            <a:r>
+              <a:rPr lang="ru-RU" sz="800" b="0" i="0" dirty="0">
+                <a:effectLst/>
+                <a:highlight>
+                  <a:srgbClr val="C0C0C0"/>
+                </a:highlight>
+                <a:latin typeface="Roboto" panose="02000000000000000000" pitchFamily="2" charset="0"/>
+              </a:rPr>
+              <a:t> в колеса</a:t>
+            </a:r>
+            <a:endParaRPr lang="en-US" sz="800" b="0" i="0" dirty="0">
+              <a:effectLst/>
+              <a:highlight>
+                <a:srgbClr val="C0C0C0"/>
+              </a:highlight>
+              <a:latin typeface="Roboto" panose="02000000000000000000" pitchFamily="2" charset="0"/>
+            </a:endParaRPr>
+          </a:p>
+        </p:txBody>
+      </p:sp>
+    </p:spTree>
+    <p:extLst>
+      <p:ext uri="{BB962C8B-B14F-4D97-AF65-F5344CB8AC3E}">
+        <p14:creationId xmlns:p14="http://schemas.microsoft.com/office/powerpoint/2010/main" val="1526589237"/>
+      </p:ext>
+    </p:extLst>
+  </p:cSld>
+  <p:clrMapOvr>
+    <a:masterClrMapping/>
+  </p:clrMapOvr>
+</p:sld>
+</file>
+
+<file path=ppt/slides/slide8.xml><?xml version="1.0" encoding="utf-8"?>
+<p:sld xmlns:a="http://schemas.openxmlformats.org/drawingml/2006/main" xmlns:r="http://schemas.openxmlformats.org/officeDocument/2006/relationships" xmlns:p="http://schemas.openxmlformats.org/presentationml/2006/main">
+  <p:cSld>
+    <p:spTree>
+      <p:nvGrpSpPr>
+        <p:cNvPr id="1" name=""/>
+        <p:cNvGrpSpPr/>
+        <p:nvPr/>
+      </p:nvGrpSpPr>
+      <p:grpSpPr>
+        <a:xfrm>
+          <a:off x="0" y="0"/>
+          <a:ext cx="0" cy="0"/>
+          <a:chOff x="0" y="0"/>
+          <a:chExt cx="0" cy="0"/>
+        </a:xfrm>
+      </p:grpSpPr>
+      <p:sp>
+        <p:nvSpPr>
+          <p:cNvPr id="2" name="Заголовок 1">
+            <a:extLst>
+              <a:ext uri="{FF2B5EF4-FFF2-40B4-BE49-F238E27FC236}">
+                <a16:creationId xmlns:a16="http://schemas.microsoft.com/office/drawing/2014/main" id="{00984066-E338-9A6D-D1A3-B6801D12DE1C}"/>
+              </a:ext>
+            </a:extLst>
+          </p:cNvPr>
+          <p:cNvSpPr>
+            <a:spLocks noGrp="1"/>
+          </p:cNvSpPr>
+          <p:nvPr>
+            <p:ph type="title"/>
+          </p:nvPr>
+        </p:nvSpPr>
+        <p:spPr>
+          <a:xfrm>
+            <a:off x="3150870" y="2766218"/>
+            <a:ext cx="5890260" cy="1325563"/>
+          </a:xfrm>
+        </p:spPr>
+        <p:txBody>
+          <a:bodyPr/>
+          <a:lstStyle/>
+          <a:p>
+            <a:pPr algn="ctr"/>
+            <a:r>
+              <a:rPr lang="ru-RU" b="1" dirty="0"/>
+              <a:t>ПЕРЕЙДЕМ К САЙТУ!!!</a:t>
+            </a:r>
+          </a:p>
+        </p:txBody>
+      </p:sp>
+    </p:spTree>
+    <p:extLst>
+      <p:ext uri="{BB962C8B-B14F-4D97-AF65-F5344CB8AC3E}">
+        <p14:creationId xmlns:p14="http://schemas.microsoft.com/office/powerpoint/2010/main" val="2347527178"/>
       </p:ext>
     </p:extLst>
   </p:cSld>
